--- a/Gezamenlijk/presentatie week 4, team rush hour.pptx
+++ b/Gezamenlijk/presentatie week 4, team rush hour.pptx
@@ -9,12 +9,14 @@
   <p:sldIdLst>
     <p:sldId id="256" r:id="rId4"/>
     <p:sldId id="257" r:id="rId5"/>
-    <p:sldId id="258" r:id="rId6"/>
-    <p:sldId id="259" r:id="rId7"/>
-    <p:sldId id="260" r:id="rId8"/>
-    <p:sldId id="261" r:id="rId9"/>
-    <p:sldId id="263" r:id="rId10"/>
-    <p:sldId id="262" r:id="rId11"/>
+    <p:sldId id="264" r:id="rId6"/>
+    <p:sldId id="265" r:id="rId7"/>
+    <p:sldId id="259" r:id="rId8"/>
+    <p:sldId id="266" r:id="rId9"/>
+    <p:sldId id="260" r:id="rId10"/>
+    <p:sldId id="261" r:id="rId11"/>
+    <p:sldId id="263" r:id="rId12"/>
+    <p:sldId id="262" r:id="rId13"/>
   </p:sldIdLst>
   <p:sldSz cx="12192000" cy="6858000"/>
   <p:notesSz cx="6858000" cy="9144000"/>
@@ -10516,6 +10518,119 @@
 </p:sld>
 </file>
 
+<file path=ppt/slides/slide10.xml><?xml version="1.0" encoding="utf-8"?>
+<p:sld xmlns:a="http://schemas.openxmlformats.org/drawingml/2006/main" xmlns:r="http://schemas.openxmlformats.org/officeDocument/2006/relationships" xmlns:p="http://schemas.openxmlformats.org/presentationml/2006/main">
+  <p:cSld>
+    <p:spTree>
+      <p:nvGrpSpPr>
+        <p:cNvPr id="1" name=""/>
+        <p:cNvGrpSpPr/>
+        <p:nvPr/>
+      </p:nvGrpSpPr>
+      <p:grpSpPr>
+        <a:xfrm>
+          <a:off x="0" y="0"/>
+          <a:ext cx="0" cy="0"/>
+          <a:chOff x="0" y="0"/>
+          <a:chExt cx="0" cy="0"/>
+        </a:xfrm>
+      </p:grpSpPr>
+      <p:sp>
+        <p:nvSpPr>
+          <p:cNvPr id="3074" name="Rectangle 2"/>
+          <p:cNvSpPr>
+            <a:spLocks noGrp="1" noChangeArrowheads="1"/>
+          </p:cNvSpPr>
+          <p:nvPr>
+            <p:ph type="title"/>
+          </p:nvPr>
+        </p:nvSpPr>
+        <p:spPr>
+          <a:xfrm>
+            <a:off x="1919288" y="188914"/>
+            <a:ext cx="8229600" cy="981075"/>
+          </a:xfrm>
+        </p:spPr>
+        <p:txBody>
+          <a:bodyPr/>
+          <a:lstStyle/>
+          <a:p>
+            <a:pPr eaLnBrk="1" hangingPunct="1"/>
+            <a:r>
+              <a:rPr lang="nl-NL" altLang="nl-NL" dirty="0" smtClean="0">
+                <a:solidFill>
+                  <a:schemeClr val="tx1"/>
+                </a:solidFill>
+              </a:rPr>
+              <a:t>vragen</a:t>
+            </a:r>
+          </a:p>
+        </p:txBody>
+      </p:sp>
+      <p:pic>
+        <p:nvPicPr>
+          <p:cNvPr id="2" name="Picture 1"/>
+          <p:cNvPicPr>
+            <a:picLocks noChangeAspect="1"/>
+          </p:cNvPicPr>
+          <p:nvPr/>
+        </p:nvPicPr>
+        <p:blipFill>
+          <a:blip r:embed="rId2"/>
+          <a:stretch>
+            <a:fillRect/>
+          </a:stretch>
+        </p:blipFill>
+        <p:spPr>
+          <a:xfrm>
+            <a:off x="2829677" y="1409272"/>
+            <a:ext cx="6408821" cy="4716892"/>
+          </a:xfrm>
+          <a:prstGeom prst="rect">
+            <a:avLst/>
+          </a:prstGeom>
+        </p:spPr>
+      </p:pic>
+      <p:sp>
+        <p:nvSpPr>
+          <p:cNvPr id="3075" name="Rectangle 3"/>
+          <p:cNvSpPr>
+            <a:spLocks noGrp="1" noChangeArrowheads="1"/>
+          </p:cNvSpPr>
+          <p:nvPr>
+            <p:ph type="body" idx="1"/>
+          </p:nvPr>
+        </p:nvSpPr>
+        <p:spPr/>
+        <p:txBody>
+          <a:bodyPr/>
+          <a:lstStyle/>
+          <a:p>
+            <a:pPr eaLnBrk="1" hangingPunct="1"/>
+            <a:endParaRPr lang="nl-NL" altLang="nl-NL" dirty="0" smtClean="0"/>
+          </a:p>
+        </p:txBody>
+      </p:sp>
+    </p:spTree>
+    <p:extLst>
+      <p:ext uri="{BB962C8B-B14F-4D97-AF65-F5344CB8AC3E}">
+        <p14:creationId xmlns:p14="http://schemas.microsoft.com/office/powerpoint/2010/main" val="1474487155"/>
+      </p:ext>
+    </p:extLst>
+  </p:cSld>
+  <p:clrMapOvr>
+    <a:masterClrMapping/>
+  </p:clrMapOvr>
+  <p:timing>
+    <p:tnLst>
+      <p:par>
+        <p:cTn id="1" dur="indefinite" restart="never" nodeType="tmRoot"/>
+      </p:par>
+    </p:tnLst>
+  </p:timing>
+</p:sld>
+</file>
+
 <file path=ppt/slides/slide2.xml><?xml version="1.0" encoding="utf-8"?>
 <p:sld xmlns:a="http://schemas.openxmlformats.org/drawingml/2006/main" xmlns:r="http://schemas.openxmlformats.org/officeDocument/2006/relationships" xmlns:p="http://schemas.openxmlformats.org/presentationml/2006/main">
   <p:cSld>
@@ -10583,14 +10698,18 @@
             <a:pPr eaLnBrk="1" hangingPunct="1"/>
             <a:r>
               <a:rPr lang="nl-NL" altLang="nl-NL" dirty="0" smtClean="0"/>
-              <a:t>Het probleem</a:t>
+              <a:t>De tree</a:t>
             </a:r>
           </a:p>
           <a:p>
             <a:pPr eaLnBrk="1" hangingPunct="1"/>
             <a:r>
               <a:rPr lang="nl-NL" altLang="nl-NL" dirty="0" smtClean="0"/>
-              <a:t>OPGELOST!</a:t>
+              <a:t>OPGELOST</a:t>
+            </a:r>
+            <a:r>
+              <a:rPr lang="nl-NL" altLang="nl-NL" dirty="0" smtClean="0"/>
+              <a:t>!</a:t>
             </a:r>
           </a:p>
           <a:p>
@@ -10655,7 +10774,7 @@
       </p:grpSpPr>
       <p:sp>
         <p:nvSpPr>
-          <p:cNvPr id="4098" name="Rectangle 2"/>
+          <p:cNvPr id="3074" name="Rectangle 2"/>
           <p:cNvSpPr>
             <a:spLocks noGrp="1" noChangeArrowheads="1"/>
           </p:cNvSpPr>
@@ -10675,19 +10794,24 @@
           <a:p>
             <a:pPr eaLnBrk="1" hangingPunct="1"/>
             <a:r>
-              <a:rPr lang="nl-NL" altLang="nl-NL" smtClean="0">
+              <a:rPr lang="nl-NL" altLang="nl-NL" dirty="0" smtClean="0">
                 <a:solidFill>
                   <a:schemeClr val="tx1"/>
                 </a:solidFill>
               </a:rPr>
-              <a:t>Het probleem</a:t>
-            </a:r>
-          </a:p>
-        </p:txBody>
-      </p:sp>
-      <p:sp>
-        <p:nvSpPr>
-          <p:cNvPr id="4099" name="Rectangle 3"/>
+              <a:t>De tree</a:t>
+            </a:r>
+            <a:endParaRPr lang="nl-NL" altLang="nl-NL" dirty="0" smtClean="0">
+              <a:solidFill>
+                <a:schemeClr val="tx1"/>
+              </a:solidFill>
+            </a:endParaRPr>
+          </a:p>
+        </p:txBody>
+      </p:sp>
+      <p:sp>
+        <p:nvSpPr>
+          <p:cNvPr id="3075" name="Rectangle 3"/>
           <p:cNvSpPr>
             <a:spLocks noGrp="1" noChangeArrowheads="1"/>
           </p:cNvSpPr>
@@ -10695,29 +10819,36 @@
             <p:ph type="body" idx="1"/>
           </p:nvPr>
         </p:nvSpPr>
-        <p:spPr/>
+        <p:spPr>
+          <a:xfrm>
+            <a:off x="346656" y="1435382"/>
+            <a:ext cx="10972800" cy="4525963"/>
+          </a:xfrm>
+        </p:spPr>
         <p:txBody>
           <a:bodyPr/>
           <a:lstStyle/>
           <a:p>
-            <a:pPr eaLnBrk="1" hangingPunct="1"/>
-            <a:r>
-              <a:rPr lang="nl-NL" altLang="nl-NL" smtClean="0"/>
-              <a:t>De rode auto moet naar de uitgang. </a:t>
-            </a:r>
-          </a:p>
-          <a:p>
-            <a:pPr eaLnBrk="1" hangingPunct="1"/>
-            <a:r>
-              <a:rPr lang="nl-NL" altLang="nl-NL" smtClean="0"/>
-              <a:t>Elke auto kan alleen in de lengterichting</a:t>
-            </a:r>
+            <a:pPr marL="0" indent="0" eaLnBrk="1" hangingPunct="1">
+              <a:buNone/>
+            </a:pPr>
+            <a:endParaRPr lang="nl-NL" altLang="nl-NL" dirty="0" smtClean="0"/>
+          </a:p>
+          <a:p>
+            <a:pPr marL="0" indent="0" eaLnBrk="1" hangingPunct="1">
+              <a:buNone/>
+            </a:pPr>
+            <a:r>
+              <a:rPr lang="nl-NL" altLang="nl-NL" dirty="0" smtClean="0"/>
+              <a:t>1 getal per auto(tegel)</a:t>
+            </a:r>
+            <a:endParaRPr lang="nl-NL" altLang="nl-NL" dirty="0"/>
           </a:p>
         </p:txBody>
       </p:sp>
       <p:pic>
         <p:nvPicPr>
-          <p:cNvPr id="4100" name="Picture 4"/>
+          <p:cNvPr id="4098" name="Picture 2" descr="http://www.moorsmagazine.com/images/boom3.JPG"/>
           <p:cNvPicPr>
             <a:picLocks noChangeAspect="1" noChangeArrowheads="1"/>
           </p:cNvPicPr>
@@ -10738,57 +10869,13 @@
         </p:blipFill>
         <p:spPr bwMode="auto">
           <a:xfrm>
-            <a:off x="6456364" y="2781301"/>
-            <a:ext cx="3527425" cy="3743325"/>
+            <a:off x="5520347" y="1435382"/>
+            <a:ext cx="6096000" cy="4572000"/>
           </a:xfrm>
           <a:prstGeom prst="rect">
             <a:avLst/>
           </a:prstGeom>
           <a:noFill/>
-          <a:ln>
-            <a:noFill/>
-          </a:ln>
-          <a:extLst>
-            <a:ext uri="{909E8E84-426E-40DD-AFC4-6F175D3DCCD1}">
-              <a14:hiddenFill xmlns:a14="http://schemas.microsoft.com/office/drawing/2010/main">
-                <a:solidFill>
-                  <a:schemeClr val="accent1"/>
-                </a:solidFill>
-              </a14:hiddenFill>
-            </a:ext>
-            <a:ext uri="{91240B29-F687-4F45-9708-019B960494DF}">
-              <a14:hiddenLine xmlns:a14="http://schemas.microsoft.com/office/drawing/2010/main" w="9525">
-                <a:solidFill>
-                  <a:schemeClr val="tx1"/>
-                </a:solidFill>
-                <a:miter lim="800000"/>
-                <a:headEnd/>
-                <a:tailEnd/>
-              </a14:hiddenLine>
-            </a:ext>
-          </a:extLst>
-        </p:spPr>
-      </p:pic>
-      <p:sp>
-        <p:nvSpPr>
-          <p:cNvPr id="4101" name="Tekstvak 1"/>
-          <p:cNvSpPr txBox="1">
-            <a:spLocks noChangeArrowheads="1"/>
-          </p:cNvSpPr>
-          <p:nvPr/>
-        </p:nvSpPr>
-        <p:spPr bwMode="auto">
-          <a:xfrm>
-            <a:off x="2351089" y="2708276"/>
-            <a:ext cx="5081587" cy="2555875"/>
-          </a:xfrm>
-          <a:prstGeom prst="rect">
-            <a:avLst/>
-          </a:prstGeom>
-          <a:noFill/>
-          <a:ln>
-            <a:noFill/>
-          </a:ln>
           <a:extLst>
             <a:ext uri="{909E8E84-426E-40DD-AFC4-6F175D3DCCD1}">
               <a14:hiddenFill xmlns:a14="http://schemas.microsoft.com/office/drawing/2010/main">
@@ -10797,216 +10884,37 @@
                 </a:solidFill>
               </a14:hiddenFill>
             </a:ext>
-            <a:ext uri="{91240B29-F687-4F45-9708-019B960494DF}">
-              <a14:hiddenLine xmlns:a14="http://schemas.microsoft.com/office/drawing/2010/main" w="9525">
-                <a:solidFill>
-                  <a:srgbClr val="000000"/>
-                </a:solidFill>
-                <a:miter lim="800000"/>
-                <a:headEnd/>
-                <a:tailEnd/>
-              </a14:hiddenLine>
-            </a:ext>
           </a:extLst>
         </p:spPr>
-        <p:txBody>
-          <a:bodyPr>
-            <a:spAutoFit/>
-          </a:bodyPr>
-          <a:lstStyle>
-            <a:lvl1pPr eaLnBrk="0" hangingPunct="0">
-              <a:defRPr>
-                <a:solidFill>
-                  <a:schemeClr val="tx1"/>
-                </a:solidFill>
-                <a:latin typeface="Arial" panose="020B0604020202020204" pitchFamily="34" charset="0"/>
-                <a:cs typeface="Arial" panose="020B0604020202020204" pitchFamily="34" charset="0"/>
-              </a:defRPr>
-            </a:lvl1pPr>
-            <a:lvl2pPr marL="742950" indent="-285750" eaLnBrk="0" hangingPunct="0">
-              <a:defRPr>
-                <a:solidFill>
-                  <a:schemeClr val="tx1"/>
-                </a:solidFill>
-                <a:latin typeface="Arial" panose="020B0604020202020204" pitchFamily="34" charset="0"/>
-                <a:cs typeface="Arial" panose="020B0604020202020204" pitchFamily="34" charset="0"/>
-              </a:defRPr>
-            </a:lvl2pPr>
-            <a:lvl3pPr marL="1143000" indent="-228600" eaLnBrk="0" hangingPunct="0">
-              <a:defRPr>
-                <a:solidFill>
-                  <a:schemeClr val="tx1"/>
-                </a:solidFill>
-                <a:latin typeface="Arial" panose="020B0604020202020204" pitchFamily="34" charset="0"/>
-                <a:cs typeface="Arial" panose="020B0604020202020204" pitchFamily="34" charset="0"/>
-              </a:defRPr>
-            </a:lvl3pPr>
-            <a:lvl4pPr marL="1600200" indent="-228600" eaLnBrk="0" hangingPunct="0">
-              <a:defRPr>
-                <a:solidFill>
-                  <a:schemeClr val="tx1"/>
-                </a:solidFill>
-                <a:latin typeface="Arial" panose="020B0604020202020204" pitchFamily="34" charset="0"/>
-                <a:cs typeface="Arial" panose="020B0604020202020204" pitchFamily="34" charset="0"/>
-              </a:defRPr>
-            </a:lvl4pPr>
-            <a:lvl5pPr marL="2057400" indent="-228600" eaLnBrk="0" hangingPunct="0">
-              <a:defRPr>
-                <a:solidFill>
-                  <a:schemeClr val="tx1"/>
-                </a:solidFill>
-                <a:latin typeface="Arial" panose="020B0604020202020204" pitchFamily="34" charset="0"/>
-                <a:cs typeface="Arial" panose="020B0604020202020204" pitchFamily="34" charset="0"/>
-              </a:defRPr>
-            </a:lvl5pPr>
-            <a:lvl6pPr marL="2514600" indent="-228600" eaLnBrk="0" fontAlgn="base" hangingPunct="0">
-              <a:spcBef>
-                <a:spcPct val="0"/>
-              </a:spcBef>
-              <a:spcAft>
-                <a:spcPct val="0"/>
-              </a:spcAft>
-              <a:defRPr>
-                <a:solidFill>
-                  <a:schemeClr val="tx1"/>
-                </a:solidFill>
-                <a:latin typeface="Arial" panose="020B0604020202020204" pitchFamily="34" charset="0"/>
-                <a:cs typeface="Arial" panose="020B0604020202020204" pitchFamily="34" charset="0"/>
-              </a:defRPr>
-            </a:lvl6pPr>
-            <a:lvl7pPr marL="2971800" indent="-228600" eaLnBrk="0" fontAlgn="base" hangingPunct="0">
-              <a:spcBef>
-                <a:spcPct val="0"/>
-              </a:spcBef>
-              <a:spcAft>
-                <a:spcPct val="0"/>
-              </a:spcAft>
-              <a:defRPr>
-                <a:solidFill>
-                  <a:schemeClr val="tx1"/>
-                </a:solidFill>
-                <a:latin typeface="Arial" panose="020B0604020202020204" pitchFamily="34" charset="0"/>
-                <a:cs typeface="Arial" panose="020B0604020202020204" pitchFamily="34" charset="0"/>
-              </a:defRPr>
-            </a:lvl7pPr>
-            <a:lvl8pPr marL="3429000" indent="-228600" eaLnBrk="0" fontAlgn="base" hangingPunct="0">
-              <a:spcBef>
-                <a:spcPct val="0"/>
-              </a:spcBef>
-              <a:spcAft>
-                <a:spcPct val="0"/>
-              </a:spcAft>
-              <a:defRPr>
-                <a:solidFill>
-                  <a:schemeClr val="tx1"/>
-                </a:solidFill>
-                <a:latin typeface="Arial" panose="020B0604020202020204" pitchFamily="34" charset="0"/>
-                <a:cs typeface="Arial" panose="020B0604020202020204" pitchFamily="34" charset="0"/>
-              </a:defRPr>
-            </a:lvl8pPr>
-            <a:lvl9pPr marL="3886200" indent="-228600" eaLnBrk="0" fontAlgn="base" hangingPunct="0">
-              <a:spcBef>
-                <a:spcPct val="0"/>
-              </a:spcBef>
-              <a:spcAft>
-                <a:spcPct val="0"/>
-              </a:spcAft>
-              <a:defRPr>
-                <a:solidFill>
-                  <a:schemeClr val="tx1"/>
-                </a:solidFill>
-                <a:latin typeface="Arial" panose="020B0604020202020204" pitchFamily="34" charset="0"/>
-                <a:cs typeface="Arial" panose="020B0604020202020204" pitchFamily="34" charset="0"/>
-              </a:defRPr>
-            </a:lvl9pPr>
-          </a:lstStyle>
-          <a:p>
-            <a:pPr eaLnBrk="1" fontAlgn="base" hangingPunct="1">
-              <a:spcBef>
-                <a:spcPct val="0"/>
-              </a:spcBef>
-              <a:spcAft>
-                <a:spcPct val="0"/>
-              </a:spcAft>
-            </a:pPr>
-            <a:r>
-              <a:rPr lang="nl-NL" altLang="nl-NL" sz="3200">
-                <a:solidFill>
-                  <a:srgbClr val="000000"/>
-                </a:solidFill>
-              </a:rPr>
-              <a:t>bewegen. </a:t>
-            </a:r>
-          </a:p>
-          <a:p>
-            <a:pPr eaLnBrk="1" fontAlgn="base" hangingPunct="1">
-              <a:spcBef>
-                <a:spcPct val="0"/>
-              </a:spcBef>
-              <a:spcAft>
-                <a:spcPct val="0"/>
-              </a:spcAft>
-            </a:pPr>
-            <a:endParaRPr lang="nl-NL" altLang="nl-NL" sz="3200">
-              <a:solidFill>
-                <a:srgbClr val="000000"/>
-              </a:solidFill>
-            </a:endParaRPr>
-          </a:p>
-          <a:p>
-            <a:pPr eaLnBrk="1" fontAlgn="base" hangingPunct="1">
-              <a:spcBef>
-                <a:spcPct val="0"/>
-              </a:spcBef>
-              <a:spcAft>
-                <a:spcPct val="0"/>
-              </a:spcAft>
-            </a:pPr>
-            <a:r>
-              <a:rPr lang="nl-NL" altLang="nl-NL" sz="3200">
-                <a:solidFill>
-                  <a:srgbClr val="000000"/>
-                </a:solidFill>
-              </a:rPr>
-              <a:t>Snelheid? Aantal </a:t>
-            </a:r>
-            <a:br>
-              <a:rPr lang="nl-NL" altLang="nl-NL" sz="3200">
-                <a:solidFill>
-                  <a:srgbClr val="000000"/>
-                </a:solidFill>
-              </a:rPr>
-            </a:br>
-            <a:r>
-              <a:rPr lang="nl-NL" altLang="nl-NL" sz="3200">
-                <a:solidFill>
-                  <a:srgbClr val="000000"/>
-                </a:solidFill>
-              </a:rPr>
-              <a:t>          mogelijke </a:t>
-            </a:r>
-            <a:br>
-              <a:rPr lang="nl-NL" altLang="nl-NL" sz="3200">
-                <a:solidFill>
-                  <a:srgbClr val="000000"/>
-                </a:solidFill>
-              </a:rPr>
-            </a:br>
-            <a:r>
-              <a:rPr lang="nl-NL" altLang="nl-NL" sz="3200">
-                <a:solidFill>
-                  <a:srgbClr val="000000"/>
-                </a:solidFill>
-              </a:rPr>
-              <a:t>              oplossingen?</a:t>
-            </a:r>
-          </a:p>
-        </p:txBody>
-      </p:sp>
+      </p:pic>
+      <p:pic>
+        <p:nvPicPr>
+          <p:cNvPr id="3" name="Picture 2"/>
+          <p:cNvPicPr>
+            <a:picLocks noChangeAspect="1"/>
+          </p:cNvPicPr>
+          <p:nvPr/>
+        </p:nvPicPr>
+        <p:blipFill>
+          <a:blip r:embed="rId3"/>
+          <a:stretch>
+            <a:fillRect/>
+          </a:stretch>
+        </p:blipFill>
+        <p:spPr>
+          <a:xfrm>
+            <a:off x="1344779" y="2937459"/>
+            <a:ext cx="2524125" cy="2924175"/>
+          </a:xfrm>
+          <a:prstGeom prst="rect">
+            <a:avLst/>
+          </a:prstGeom>
+        </p:spPr>
+      </p:pic>
     </p:spTree>
     <p:extLst>
       <p:ext uri="{BB962C8B-B14F-4D97-AF65-F5344CB8AC3E}">
-        <p14:creationId xmlns:p14="http://schemas.microsoft.com/office/powerpoint/2010/main" val="2731961343"/>
+        <p14:creationId xmlns:p14="http://schemas.microsoft.com/office/powerpoint/2010/main" val="3899487614"/>
       </p:ext>
     </p:extLst>
   </p:cSld>
@@ -11042,44 +10950,35 @@
       </p:grpSpPr>
       <p:sp>
         <p:nvSpPr>
-          <p:cNvPr id="3074" name="Rectangle 2"/>
-          <p:cNvSpPr>
-            <a:spLocks noGrp="1" noChangeArrowheads="1"/>
+          <p:cNvPr id="2" name="Title 1"/>
+          <p:cNvSpPr>
+            <a:spLocks noGrp="1"/>
           </p:cNvSpPr>
           <p:nvPr>
             <p:ph type="title"/>
           </p:nvPr>
         </p:nvSpPr>
-        <p:spPr>
-          <a:xfrm>
-            <a:off x="1919288" y="188914"/>
-            <a:ext cx="8229600" cy="981075"/>
-          </a:xfrm>
-        </p:spPr>
+        <p:spPr/>
         <p:txBody>
           <a:bodyPr/>
           <a:lstStyle/>
           <a:p>
-            <a:pPr eaLnBrk="1" hangingPunct="1"/>
-            <a:r>
-              <a:rPr lang="nl-NL" altLang="nl-NL" dirty="0" smtClean="0">
-                <a:solidFill>
-                  <a:schemeClr val="tx1"/>
-                </a:solidFill>
-              </a:rPr>
-              <a:t>OPGELOST!!</a:t>
-            </a:r>
-          </a:p>
-        </p:txBody>
-      </p:sp>
-      <p:sp>
-        <p:nvSpPr>
-          <p:cNvPr id="3075" name="Rectangle 3"/>
-          <p:cNvSpPr>
-            <a:spLocks noGrp="1" noChangeArrowheads="1"/>
-          </p:cNvSpPr>
-          <p:nvPr>
-            <p:ph type="body" idx="1"/>
+            <a:r>
+              <a:rPr lang="nl-NL" dirty="0" smtClean="0"/>
+              <a:t>Dept First	</a:t>
+            </a:r>
+            <a:endParaRPr lang="nl-NL" dirty="0"/>
+          </a:p>
+        </p:txBody>
+      </p:sp>
+      <p:sp>
+        <p:nvSpPr>
+          <p:cNvPr id="3" name="Content Placeholder 2"/>
+          <p:cNvSpPr>
+            <a:spLocks noGrp="1"/>
+          </p:cNvSpPr>
+          <p:nvPr>
+            <p:ph idx="1"/>
           </p:nvPr>
         </p:nvSpPr>
         <p:spPr/>
@@ -11087,33 +10986,33 @@
           <a:bodyPr/>
           <a:lstStyle/>
           <a:p>
-            <a:pPr eaLnBrk="1" hangingPunct="1"/>
-            <a:r>
-              <a:rPr lang="nl-NL" altLang="nl-NL" dirty="0" smtClean="0"/>
-              <a:t>Dept-first</a:t>
-            </a:r>
-          </a:p>
-          <a:p>
-            <a:pPr eaLnBrk="1" hangingPunct="1"/>
-            <a:endParaRPr lang="nl-NL" altLang="nl-NL" dirty="0"/>
-          </a:p>
-          <a:p>
-            <a:pPr eaLnBrk="1" hangingPunct="1"/>
-            <a:r>
-              <a:rPr lang="nl-NL" altLang="nl-NL" dirty="0" err="1" smtClean="0"/>
-              <a:t>Breath</a:t>
-            </a:r>
-            <a:r>
-              <a:rPr lang="nl-NL" altLang="nl-NL" dirty="0" smtClean="0"/>
-              <a:t>-first</a:t>
-            </a:r>
+            <a:r>
+              <a:rPr lang="nl-NL" dirty="0" smtClean="0"/>
+              <a:t>Het pad bijhouden?!</a:t>
+            </a:r>
+          </a:p>
+          <a:p>
+            <a:r>
+              <a:rPr lang="nl-NL" dirty="0" smtClean="0"/>
+              <a:t>1. Parent of Parent methode</a:t>
+            </a:r>
+          </a:p>
+          <a:p>
+            <a:r>
+              <a:rPr lang="nl-NL" dirty="0" smtClean="0"/>
+              <a:t>2. Het aantal kinderen tellen methode</a:t>
+            </a:r>
+            <a:br>
+              <a:rPr lang="nl-NL" dirty="0" smtClean="0"/>
+            </a:br>
+            <a:endParaRPr lang="nl-NL" dirty="0"/>
           </a:p>
         </p:txBody>
       </p:sp>
     </p:spTree>
     <p:extLst>
       <p:ext uri="{BB962C8B-B14F-4D97-AF65-F5344CB8AC3E}">
-        <p14:creationId xmlns:p14="http://schemas.microsoft.com/office/powerpoint/2010/main" val="1022633358"/>
+        <p14:creationId xmlns:p14="http://schemas.microsoft.com/office/powerpoint/2010/main" val="3121291538"/>
       </p:ext>
     </p:extLst>
   </p:cSld>
@@ -11159,7 +11058,7 @@
         </p:nvSpPr>
         <p:spPr>
           <a:xfrm>
-            <a:off x="1855119" y="237040"/>
+            <a:off x="1919288" y="188914"/>
             <a:ext cx="8229600" cy="981075"/>
           </a:xfrm>
         </p:spPr>
@@ -11174,7 +11073,7 @@
                   <a:schemeClr val="tx1"/>
                 </a:solidFill>
               </a:rPr>
-              <a:t>Verdere aanpak</a:t>
+              <a:t>OPGELOST!!</a:t>
             </a:r>
           </a:p>
         </p:txBody>
@@ -11197,7 +11096,7 @@
             <a:pPr eaLnBrk="1" hangingPunct="1"/>
             <a:r>
               <a:rPr lang="nl-NL" altLang="nl-NL" dirty="0" smtClean="0"/>
-              <a:t>Sneller maken!</a:t>
+              <a:t>Dept-first</a:t>
             </a:r>
           </a:p>
           <a:p>
@@ -11208,8 +11107,13 @@
             <a:pPr eaLnBrk="1" hangingPunct="1"/>
             <a:r>
               <a:rPr lang="nl-NL" altLang="nl-NL" dirty="0" smtClean="0"/>
-              <a:t>9x9</a:t>
-            </a:r>
+              <a:t>Snel maar niet</a:t>
+            </a:r>
+            <a:r>
+              <a:rPr lang="nl-NL" altLang="nl-NL" dirty="0" smtClean="0"/>
+              <a:t> optimaal</a:t>
+            </a:r>
+            <a:endParaRPr lang="nl-NL" altLang="nl-NL" dirty="0" smtClean="0"/>
           </a:p>
           <a:p>
             <a:pPr eaLnBrk="1" hangingPunct="1"/>
@@ -11218,16 +11122,61 @@
           <a:p>
             <a:pPr eaLnBrk="1" hangingPunct="1"/>
             <a:r>
+              <a:rPr lang="nl-NL" altLang="nl-NL" dirty="0" err="1" smtClean="0"/>
+              <a:t>Breath</a:t>
+            </a:r>
+            <a:r>
               <a:rPr lang="nl-NL" altLang="nl-NL" dirty="0" smtClean="0"/>
-              <a:t>12x12</a:t>
-            </a:r>
-          </a:p>
-        </p:txBody>
-      </p:sp>
+              <a:t>-first</a:t>
+            </a:r>
+          </a:p>
+        </p:txBody>
+      </p:sp>
+      <p:pic>
+        <p:nvPicPr>
+          <p:cNvPr id="1026" name="Picture 2" descr="http://heuristieken.nl/wiki/images/thumb/a/aa/Rushhour6x6_2.jpg/230px-Rushhour6x6_2.jpg"/>
+          <p:cNvPicPr>
+            <a:picLocks noChangeAspect="1" noChangeArrowheads="1"/>
+          </p:cNvPicPr>
+          <p:nvPr/>
+        </p:nvPicPr>
+        <p:blipFill>
+          <a:blip r:embed="rId2">
+            <a:extLst>
+              <a:ext uri="{28A0092B-C50C-407E-A947-70E740481C1C}">
+                <a14:useLocalDpi xmlns:a14="http://schemas.microsoft.com/office/drawing/2010/main" val="0"/>
+              </a:ext>
+            </a:extLst>
+          </a:blip>
+          <a:srcRect/>
+          <a:stretch>
+            <a:fillRect/>
+          </a:stretch>
+        </p:blipFill>
+        <p:spPr bwMode="auto">
+          <a:xfrm>
+            <a:off x="7486818" y="1600201"/>
+            <a:ext cx="4095582" cy="4344880"/>
+          </a:xfrm>
+          <a:prstGeom prst="rect">
+            <a:avLst/>
+          </a:prstGeom>
+          <a:noFill/>
+          <a:extLst>
+            <a:ext uri="{909E8E84-426E-40DD-AFC4-6F175D3DCCD1}">
+              <a14:hiddenFill xmlns:a14="http://schemas.microsoft.com/office/drawing/2010/main">
+                <a:solidFill>
+                  <a:srgbClr val="FFFFFF"/>
+                </a:solidFill>
+              </a14:hiddenFill>
+            </a:ext>
+          </a:extLst>
+        </p:spPr>
+      </p:pic>
     </p:spTree>
     <p:extLst>
       <p:ext uri="{BB962C8B-B14F-4D97-AF65-F5344CB8AC3E}">
-        <p14:creationId xmlns:p14="http://schemas.microsoft.com/office/powerpoint/2010/main" val="3165002697"/>
+        <p14:creationId xmlns:p14="http://schemas.microsoft.com/office/powerpoint/2010/main" val="1022633358"/>
       </p:ext>
     </p:extLst>
   </p:cSld>
@@ -11263,44 +11212,39 @@
       </p:grpSpPr>
       <p:sp>
         <p:nvSpPr>
-          <p:cNvPr id="3074" name="Rectangle 2"/>
-          <p:cNvSpPr>
-            <a:spLocks noGrp="1" noChangeArrowheads="1"/>
+          <p:cNvPr id="2" name="Title 1"/>
+          <p:cNvSpPr>
+            <a:spLocks noGrp="1"/>
           </p:cNvSpPr>
           <p:nvPr>
             <p:ph type="title"/>
           </p:nvPr>
         </p:nvSpPr>
-        <p:spPr>
-          <a:xfrm>
-            <a:off x="1919288" y="188914"/>
-            <a:ext cx="8229600" cy="981075"/>
-          </a:xfrm>
-        </p:spPr>
+        <p:spPr/>
         <p:txBody>
           <a:bodyPr/>
           <a:lstStyle/>
           <a:p>
-            <a:pPr eaLnBrk="1" hangingPunct="1"/>
-            <a:r>
-              <a:rPr lang="nl-NL" altLang="nl-NL" dirty="0" smtClean="0">
-                <a:solidFill>
-                  <a:schemeClr val="tx1"/>
-                </a:solidFill>
-              </a:rPr>
-              <a:t>A-star</a:t>
-            </a:r>
-          </a:p>
-        </p:txBody>
-      </p:sp>
-      <p:sp>
-        <p:nvSpPr>
-          <p:cNvPr id="3075" name="Rectangle 3"/>
-          <p:cNvSpPr>
-            <a:spLocks noGrp="1" noChangeArrowheads="1"/>
-          </p:cNvSpPr>
-          <p:nvPr>
-            <p:ph type="body" idx="1"/>
+            <a:r>
+              <a:rPr lang="nl-NL" dirty="0" err="1" smtClean="0"/>
+              <a:t>Breadth</a:t>
+            </a:r>
+            <a:r>
+              <a:rPr lang="nl-NL" dirty="0" smtClean="0"/>
+              <a:t> First	</a:t>
+            </a:r>
+            <a:endParaRPr lang="nl-NL" dirty="0"/>
+          </a:p>
+        </p:txBody>
+      </p:sp>
+      <p:sp>
+        <p:nvSpPr>
+          <p:cNvPr id="3" name="Content Placeholder 2"/>
+          <p:cNvSpPr>
+            <a:spLocks noGrp="1"/>
+          </p:cNvSpPr>
+          <p:nvPr>
+            <p:ph idx="1"/>
           </p:nvPr>
         </p:nvSpPr>
         <p:spPr/>
@@ -11308,41 +11252,14 @@
           <a:bodyPr/>
           <a:lstStyle/>
           <a:p>
-            <a:pPr eaLnBrk="1" hangingPunct="1"/>
-            <a:r>
-              <a:rPr lang="nl-NL" altLang="nl-NL" dirty="0" smtClean="0"/>
-              <a:t>Prioriteiten</a:t>
-            </a:r>
-          </a:p>
-          <a:p>
-            <a:pPr eaLnBrk="1" hangingPunct="1"/>
-            <a:endParaRPr lang="nl-NL" altLang="nl-NL" dirty="0"/>
-          </a:p>
-          <a:p>
-            <a:pPr eaLnBrk="1" hangingPunct="1"/>
-            <a:r>
-              <a:rPr lang="nl-NL" altLang="nl-NL" dirty="0" smtClean="0"/>
-              <a:t>Lastig</a:t>
-            </a:r>
-          </a:p>
-          <a:p>
-            <a:pPr eaLnBrk="1" hangingPunct="1"/>
-            <a:endParaRPr lang="nl-NL" altLang="nl-NL" dirty="0" smtClean="0"/>
-          </a:p>
-          <a:p>
-            <a:pPr eaLnBrk="1" hangingPunct="1"/>
-            <a:r>
-              <a:rPr lang="nl-NL" altLang="nl-NL" dirty="0" smtClean="0"/>
-              <a:t>Heuristiek</a:t>
-            </a:r>
-            <a:endParaRPr lang="nl-NL" altLang="nl-NL" dirty="0" smtClean="0"/>
+            <a:endParaRPr lang="nl-NL" dirty="0"/>
           </a:p>
         </p:txBody>
       </p:sp>
     </p:spTree>
     <p:extLst>
       <p:ext uri="{BB962C8B-B14F-4D97-AF65-F5344CB8AC3E}">
-        <p14:creationId xmlns:p14="http://schemas.microsoft.com/office/powerpoint/2010/main" val="3212970898"/>
+        <p14:creationId xmlns:p14="http://schemas.microsoft.com/office/powerpoint/2010/main" val="979704408"/>
       </p:ext>
     </p:extLst>
   </p:cSld>
@@ -11388,7 +11305,7 @@
         </p:nvSpPr>
         <p:spPr>
           <a:xfrm>
-            <a:off x="1919288" y="188914"/>
+            <a:off x="1855119" y="237040"/>
             <a:ext cx="8229600" cy="981075"/>
           </a:xfrm>
         </p:spPr>
@@ -11403,29 +11320,8 @@
                   <a:schemeClr val="tx1"/>
                 </a:solidFill>
               </a:rPr>
-              <a:t>Depth </a:t>
-            </a:r>
-            <a:r>
-              <a:rPr lang="nl-NL" altLang="nl-NL" dirty="0" err="1" smtClean="0">
-                <a:solidFill>
-                  <a:schemeClr val="tx1"/>
-                </a:solidFill>
-              </a:rPr>
-              <a:t>limited</a:t>
-            </a:r>
-            <a:r>
-              <a:rPr lang="nl-NL" altLang="nl-NL" dirty="0" smtClean="0">
-                <a:solidFill>
-                  <a:schemeClr val="tx1"/>
-                </a:solidFill>
-              </a:rPr>
-              <a:t> search</a:t>
-            </a:r>
-            <a:endParaRPr lang="nl-NL" altLang="nl-NL" dirty="0" smtClean="0">
-              <a:solidFill>
-                <a:schemeClr val="tx1"/>
-              </a:solidFill>
-            </a:endParaRPr>
+              <a:t>Verdere aanpak</a:t>
+            </a:r>
           </a:p>
         </p:txBody>
       </p:sp>
@@ -11447,7 +11343,7 @@
             <a:pPr eaLnBrk="1" hangingPunct="1"/>
             <a:r>
               <a:rPr lang="nl-NL" altLang="nl-NL" dirty="0" smtClean="0"/>
-              <a:t>Hoe diep zit de oplossing</a:t>
+              <a:t>Sneller maken!</a:t>
             </a:r>
           </a:p>
           <a:p>
@@ -11456,6 +11352,30 @@
           </a:p>
           <a:p>
             <a:pPr eaLnBrk="1" hangingPunct="1"/>
+            <a:r>
+              <a:rPr lang="nl-NL" altLang="nl-NL" dirty="0" smtClean="0"/>
+              <a:t>9x9</a:t>
+            </a:r>
+          </a:p>
+          <a:p>
+            <a:pPr eaLnBrk="1" hangingPunct="1"/>
+            <a:endParaRPr lang="nl-NL" altLang="nl-NL" dirty="0"/>
+          </a:p>
+          <a:p>
+            <a:pPr eaLnBrk="1" hangingPunct="1"/>
+            <a:r>
+              <a:rPr lang="nl-NL" altLang="nl-NL" dirty="0" smtClean="0"/>
+              <a:t>12x12</a:t>
+            </a:r>
+          </a:p>
+          <a:p>
+            <a:pPr eaLnBrk="1" hangingPunct="1"/>
+            <a:endParaRPr lang="nl-NL" altLang="nl-NL" dirty="0"/>
+          </a:p>
+          <a:p>
+            <a:pPr marL="0" indent="0" eaLnBrk="1" hangingPunct="1">
+              <a:buNone/>
+            </a:pPr>
             <a:endParaRPr lang="nl-NL" altLang="nl-NL" dirty="0" smtClean="0"/>
           </a:p>
         </p:txBody>
@@ -11463,7 +11383,7 @@
     </p:spTree>
     <p:extLst>
       <p:ext uri="{BB962C8B-B14F-4D97-AF65-F5344CB8AC3E}">
-        <p14:creationId xmlns:p14="http://schemas.microsoft.com/office/powerpoint/2010/main" val="2499461489"/>
+        <p14:creationId xmlns:p14="http://schemas.microsoft.com/office/powerpoint/2010/main" val="3165002697"/>
       </p:ext>
     </p:extLst>
   </p:cSld>
@@ -11524,7 +11444,7 @@
                   <a:schemeClr val="tx1"/>
                 </a:solidFill>
               </a:rPr>
-              <a:t>vragen</a:t>
+              <a:t>A-star</a:t>
             </a:r>
           </a:p>
         </p:txBody>
@@ -11543,16 +11463,239 @@
         <p:txBody>
           <a:bodyPr/>
           <a:lstStyle/>
+          <a:p>
+            <a:pPr eaLnBrk="1" hangingPunct="1"/>
+            <a:r>
+              <a:rPr lang="nl-NL" altLang="nl-NL" dirty="0" smtClean="0"/>
+              <a:t>Prioriteiten</a:t>
+            </a:r>
+          </a:p>
+          <a:p>
+            <a:pPr eaLnBrk="1" hangingPunct="1"/>
+            <a:endParaRPr lang="nl-NL" altLang="nl-NL" dirty="0"/>
+          </a:p>
+          <a:p>
+            <a:pPr eaLnBrk="1" hangingPunct="1"/>
+            <a:r>
+              <a:rPr lang="nl-NL" altLang="nl-NL" dirty="0" smtClean="0"/>
+              <a:t>Lastig</a:t>
+            </a:r>
+          </a:p>
           <a:p>
             <a:pPr eaLnBrk="1" hangingPunct="1"/>
             <a:endParaRPr lang="nl-NL" altLang="nl-NL" dirty="0" smtClean="0"/>
           </a:p>
-        </p:txBody>
-      </p:sp>
+          <a:p>
+            <a:pPr eaLnBrk="1" hangingPunct="1"/>
+            <a:r>
+              <a:rPr lang="nl-NL" altLang="nl-NL" dirty="0" smtClean="0"/>
+              <a:t>Heuristiek</a:t>
+            </a:r>
+          </a:p>
+        </p:txBody>
+      </p:sp>
+      <p:pic>
+        <p:nvPicPr>
+          <p:cNvPr id="4" name="Picture 2" descr="http://heuristieken.nl/wiki/images/thumb/a/aa/Rushhour6x6_2.jpg/230px-Rushhour6x6_2.jpg"/>
+          <p:cNvPicPr>
+            <a:picLocks noChangeAspect="1" noChangeArrowheads="1"/>
+          </p:cNvPicPr>
+          <p:nvPr/>
+        </p:nvPicPr>
+        <p:blipFill>
+          <a:blip r:embed="rId2">
+            <a:extLst>
+              <a:ext uri="{28A0092B-C50C-407E-A947-70E740481C1C}">
+                <a14:useLocalDpi xmlns:a14="http://schemas.microsoft.com/office/drawing/2010/main" val="0"/>
+              </a:ext>
+            </a:extLst>
+          </a:blip>
+          <a:srcRect/>
+          <a:stretch>
+            <a:fillRect/>
+          </a:stretch>
+        </p:blipFill>
+        <p:spPr bwMode="auto">
+          <a:xfrm>
+            <a:off x="7486818" y="1600201"/>
+            <a:ext cx="4095582" cy="4344880"/>
+          </a:xfrm>
+          <a:prstGeom prst="rect">
+            <a:avLst/>
+          </a:prstGeom>
+          <a:noFill/>
+          <a:extLst>
+            <a:ext uri="{909E8E84-426E-40DD-AFC4-6F175D3DCCD1}">
+              <a14:hiddenFill xmlns:a14="http://schemas.microsoft.com/office/drawing/2010/main">
+                <a:solidFill>
+                  <a:srgbClr val="FFFFFF"/>
+                </a:solidFill>
+              </a14:hiddenFill>
+            </a:ext>
+          </a:extLst>
+        </p:spPr>
+      </p:pic>
     </p:spTree>
     <p:extLst>
       <p:ext uri="{BB962C8B-B14F-4D97-AF65-F5344CB8AC3E}">
-        <p14:creationId xmlns:p14="http://schemas.microsoft.com/office/powerpoint/2010/main" val="1474487155"/>
+        <p14:creationId xmlns:p14="http://schemas.microsoft.com/office/powerpoint/2010/main" val="3212970898"/>
+      </p:ext>
+    </p:extLst>
+  </p:cSld>
+  <p:clrMapOvr>
+    <a:masterClrMapping/>
+  </p:clrMapOvr>
+  <p:timing>
+    <p:tnLst>
+      <p:par>
+        <p:cTn id="1" dur="indefinite" restart="never" nodeType="tmRoot"/>
+      </p:par>
+    </p:tnLst>
+  </p:timing>
+</p:sld>
+</file>
+
+<file path=ppt/slides/slide9.xml><?xml version="1.0" encoding="utf-8"?>
+<p:sld xmlns:a="http://schemas.openxmlformats.org/drawingml/2006/main" xmlns:r="http://schemas.openxmlformats.org/officeDocument/2006/relationships" xmlns:p="http://schemas.openxmlformats.org/presentationml/2006/main">
+  <p:cSld>
+    <p:spTree>
+      <p:nvGrpSpPr>
+        <p:cNvPr id="1" name=""/>
+        <p:cNvGrpSpPr/>
+        <p:nvPr/>
+      </p:nvGrpSpPr>
+      <p:grpSpPr>
+        <a:xfrm>
+          <a:off x="0" y="0"/>
+          <a:ext cx="0" cy="0"/>
+          <a:chOff x="0" y="0"/>
+          <a:chExt cx="0" cy="0"/>
+        </a:xfrm>
+      </p:grpSpPr>
+      <p:sp>
+        <p:nvSpPr>
+          <p:cNvPr id="3074" name="Rectangle 2"/>
+          <p:cNvSpPr>
+            <a:spLocks noGrp="1" noChangeArrowheads="1"/>
+          </p:cNvSpPr>
+          <p:nvPr>
+            <p:ph type="title"/>
+          </p:nvPr>
+        </p:nvSpPr>
+        <p:spPr>
+          <a:xfrm>
+            <a:off x="1919288" y="188914"/>
+            <a:ext cx="8229600" cy="981075"/>
+          </a:xfrm>
+        </p:spPr>
+        <p:txBody>
+          <a:bodyPr/>
+          <a:lstStyle/>
+          <a:p>
+            <a:pPr eaLnBrk="1" hangingPunct="1"/>
+            <a:r>
+              <a:rPr lang="nl-NL" altLang="nl-NL" dirty="0" smtClean="0">
+                <a:solidFill>
+                  <a:schemeClr val="tx1"/>
+                </a:solidFill>
+              </a:rPr>
+              <a:t>Depth </a:t>
+            </a:r>
+            <a:r>
+              <a:rPr lang="nl-NL" altLang="nl-NL" dirty="0" err="1" smtClean="0">
+                <a:solidFill>
+                  <a:schemeClr val="tx1"/>
+                </a:solidFill>
+              </a:rPr>
+              <a:t>limited</a:t>
+            </a:r>
+            <a:r>
+              <a:rPr lang="nl-NL" altLang="nl-NL" dirty="0" smtClean="0">
+                <a:solidFill>
+                  <a:schemeClr val="tx1"/>
+                </a:solidFill>
+              </a:rPr>
+              <a:t> search</a:t>
+            </a:r>
+          </a:p>
+        </p:txBody>
+      </p:sp>
+      <p:sp>
+        <p:nvSpPr>
+          <p:cNvPr id="3075" name="Rectangle 3"/>
+          <p:cNvSpPr>
+            <a:spLocks noGrp="1" noChangeArrowheads="1"/>
+          </p:cNvSpPr>
+          <p:nvPr>
+            <p:ph type="body" idx="1"/>
+          </p:nvPr>
+        </p:nvSpPr>
+        <p:spPr/>
+        <p:txBody>
+          <a:bodyPr/>
+          <a:lstStyle/>
+          <a:p>
+            <a:pPr eaLnBrk="1" hangingPunct="1"/>
+            <a:r>
+              <a:rPr lang="nl-NL" altLang="nl-NL" dirty="0" smtClean="0"/>
+              <a:t>Hoe diep zit de oplossing</a:t>
+            </a:r>
+          </a:p>
+          <a:p>
+            <a:pPr eaLnBrk="1" hangingPunct="1"/>
+            <a:endParaRPr lang="nl-NL" altLang="nl-NL" dirty="0"/>
+          </a:p>
+          <a:p>
+            <a:pPr eaLnBrk="1" hangingPunct="1"/>
+            <a:endParaRPr lang="nl-NL" altLang="nl-NL" dirty="0" smtClean="0"/>
+          </a:p>
+        </p:txBody>
+      </p:sp>
+      <p:pic>
+        <p:nvPicPr>
+          <p:cNvPr id="2050" name="Picture 2" descr="http://heuristieken.nl/wiki/images/thumb/2/26/Rushhour12x12_1.jpg/360px-Rushhour12x12_1.jpg"/>
+          <p:cNvPicPr>
+            <a:picLocks noChangeAspect="1" noChangeArrowheads="1"/>
+          </p:cNvPicPr>
+          <p:nvPr/>
+        </p:nvPicPr>
+        <p:blipFill>
+          <a:blip r:embed="rId2">
+            <a:extLst>
+              <a:ext uri="{28A0092B-C50C-407E-A947-70E740481C1C}">
+                <a14:useLocalDpi xmlns:a14="http://schemas.microsoft.com/office/drawing/2010/main" val="0"/>
+              </a:ext>
+            </a:extLst>
+          </a:blip>
+          <a:srcRect/>
+          <a:stretch>
+            <a:fillRect/>
+          </a:stretch>
+        </p:blipFill>
+        <p:spPr bwMode="auto">
+          <a:xfrm>
+            <a:off x="7350459" y="1820779"/>
+            <a:ext cx="3429000" cy="3495675"/>
+          </a:xfrm>
+          <a:prstGeom prst="rect">
+            <a:avLst/>
+          </a:prstGeom>
+          <a:noFill/>
+          <a:extLst>
+            <a:ext uri="{909E8E84-426E-40DD-AFC4-6F175D3DCCD1}">
+              <a14:hiddenFill xmlns:a14="http://schemas.microsoft.com/office/drawing/2010/main">
+                <a:solidFill>
+                  <a:srgbClr val="FFFFFF"/>
+                </a:solidFill>
+              </a14:hiddenFill>
+            </a:ext>
+          </a:extLst>
+        </p:spPr>
+      </p:pic>
+    </p:spTree>
+    <p:extLst>
+      <p:ext uri="{BB962C8B-B14F-4D97-AF65-F5344CB8AC3E}">
+        <p14:creationId xmlns:p14="http://schemas.microsoft.com/office/powerpoint/2010/main" val="2499461489"/>
       </p:ext>
     </p:extLst>
   </p:cSld>
